--- a/poster_recherche.pptx
+++ b/poster_recherche.pptx
@@ -4307,7 +4307,7 @@
           <a:p>
             <a:fld id="{64280EEA-D0D3-8B4B-92D4-DEB51ACFF84E}" type="datetimeFigureOut">
               <a:rPr lang="en-US" smtClean="0"/>
-              <a:t>4/7/2019</a:t>
+              <a:t>4/17/2019</a:t>
             </a:fld>
             <a:endParaRPr lang="en-US"/>
           </a:p>
@@ -4472,7 +4472,7 @@
           <a:p>
             <a:fld id="{64280EEA-D0D3-8B4B-92D4-DEB51ACFF84E}" type="datetimeFigureOut">
               <a:rPr lang="en-US" smtClean="0"/>
-              <a:t>4/7/2019</a:t>
+              <a:t>4/17/2019</a:t>
             </a:fld>
             <a:endParaRPr lang="en-US"/>
           </a:p>
@@ -4647,7 +4647,7 @@
           <a:p>
             <a:fld id="{64280EEA-D0D3-8B4B-92D4-DEB51ACFF84E}" type="datetimeFigureOut">
               <a:rPr lang="en-US" smtClean="0"/>
-              <a:t>4/7/2019</a:t>
+              <a:t>4/17/2019</a:t>
             </a:fld>
             <a:endParaRPr lang="en-US"/>
           </a:p>
@@ -4812,7 +4812,7 @@
           <a:p>
             <a:fld id="{64280EEA-D0D3-8B4B-92D4-DEB51ACFF84E}" type="datetimeFigureOut">
               <a:rPr lang="en-US" smtClean="0"/>
-              <a:t>4/7/2019</a:t>
+              <a:t>4/17/2019</a:t>
             </a:fld>
             <a:endParaRPr lang="en-US"/>
           </a:p>
@@ -5051,7 +5051,7 @@
           <a:p>
             <a:fld id="{64280EEA-D0D3-8B4B-92D4-DEB51ACFF84E}" type="datetimeFigureOut">
               <a:rPr lang="en-US" smtClean="0"/>
-              <a:t>4/7/2019</a:t>
+              <a:t>4/17/2019</a:t>
             </a:fld>
             <a:endParaRPr lang="en-US"/>
           </a:p>
@@ -5278,7 +5278,7 @@
           <a:p>
             <a:fld id="{64280EEA-D0D3-8B4B-92D4-DEB51ACFF84E}" type="datetimeFigureOut">
               <a:rPr lang="en-US" smtClean="0"/>
-              <a:t>4/7/2019</a:t>
+              <a:t>4/17/2019</a:t>
             </a:fld>
             <a:endParaRPr lang="en-US"/>
           </a:p>
@@ -5640,7 +5640,7 @@
           <a:p>
             <a:fld id="{64280EEA-D0D3-8B4B-92D4-DEB51ACFF84E}" type="datetimeFigureOut">
               <a:rPr lang="en-US" smtClean="0"/>
-              <a:t>4/7/2019</a:t>
+              <a:t>4/17/2019</a:t>
             </a:fld>
             <a:endParaRPr lang="en-US"/>
           </a:p>
@@ -5753,7 +5753,7 @@
           <a:p>
             <a:fld id="{64280EEA-D0D3-8B4B-92D4-DEB51ACFF84E}" type="datetimeFigureOut">
               <a:rPr lang="en-US" smtClean="0"/>
-              <a:t>4/7/2019</a:t>
+              <a:t>4/17/2019</a:t>
             </a:fld>
             <a:endParaRPr lang="en-US"/>
           </a:p>
@@ -5843,7 +5843,7 @@
           <a:p>
             <a:fld id="{64280EEA-D0D3-8B4B-92D4-DEB51ACFF84E}" type="datetimeFigureOut">
               <a:rPr lang="en-US" smtClean="0"/>
-              <a:t>4/7/2019</a:t>
+              <a:t>4/17/2019</a:t>
             </a:fld>
             <a:endParaRPr lang="en-US"/>
           </a:p>
@@ -6115,7 +6115,7 @@
           <a:p>
             <a:fld id="{64280EEA-D0D3-8B4B-92D4-DEB51ACFF84E}" type="datetimeFigureOut">
               <a:rPr lang="en-US" smtClean="0"/>
-              <a:t>4/7/2019</a:t>
+              <a:t>4/17/2019</a:t>
             </a:fld>
             <a:endParaRPr lang="en-US"/>
           </a:p>
@@ -6367,7 +6367,7 @@
           <a:p>
             <a:fld id="{64280EEA-D0D3-8B4B-92D4-DEB51ACFF84E}" type="datetimeFigureOut">
               <a:rPr lang="en-US" smtClean="0"/>
-              <a:t>4/7/2019</a:t>
+              <a:t>4/17/2019</a:t>
             </a:fld>
             <a:endParaRPr lang="en-US"/>
           </a:p>
@@ -6575,7 +6575,7 @@
           <a:p>
             <a:fld id="{64280EEA-D0D3-8B4B-92D4-DEB51ACFF84E}" type="datetimeFigureOut">
               <a:rPr lang="en-US" smtClean="0"/>
-              <a:t>4/7/2019</a:t>
+              <a:t>4/17/2019</a:t>
             </a:fld>
             <a:endParaRPr lang="en-US"/>
           </a:p>
@@ -7052,7 +7052,7 @@
           <a:p>
             <a:pPr algn="l"/>
             <a:r>
-              <a:rPr lang="en-US" sz="11500" b="1" dirty="0" smtClean="0">
+              <a:rPr lang="en-US" sz="11500" b="1" dirty="0" err="1" smtClean="0">
                 <a:solidFill>
                   <a:srgbClr val="FFFFFF"/>
                 </a:solidFill>
@@ -7060,7 +7060,40 @@
                 <a:ea typeface="Encode Sans Normal Black" charset="0"/>
                 <a:cs typeface="Encode Sans Normal Black" charset="0"/>
               </a:rPr>
-              <a:t>PROJECT TITLE HERE</a:t>
+              <a:t>Analyse</a:t>
+            </a:r>
+            <a:r>
+              <a:rPr lang="en-US" sz="11500" b="1" dirty="0" smtClean="0">
+                <a:solidFill>
+                  <a:srgbClr val="FFFFFF"/>
+                </a:solidFill>
+                <a:latin typeface="Encode Sans Normal Black" charset="0"/>
+                <a:ea typeface="Encode Sans Normal Black" charset="0"/>
+                <a:cs typeface="Encode Sans Normal Black" charset="0"/>
+              </a:rPr>
+              <a:t> de </a:t>
+            </a:r>
+            <a:r>
+              <a:rPr lang="en-US" sz="11500" b="1" dirty="0" err="1" smtClean="0">
+                <a:solidFill>
+                  <a:srgbClr val="FFFFFF"/>
+                </a:solidFill>
+                <a:latin typeface="Encode Sans Normal Black" charset="0"/>
+                <a:ea typeface="Encode Sans Normal Black" charset="0"/>
+                <a:cs typeface="Encode Sans Normal Black" charset="0"/>
+              </a:rPr>
+              <a:t>données</a:t>
+            </a:r>
+            <a:r>
+              <a:rPr lang="en-US" sz="11500" b="1" dirty="0" smtClean="0">
+                <a:solidFill>
+                  <a:srgbClr val="FFFFFF"/>
+                </a:solidFill>
+                <a:latin typeface="Encode Sans Normal Black" charset="0"/>
+                <a:ea typeface="Encode Sans Normal Black" charset="0"/>
+                <a:cs typeface="Encode Sans Normal Black" charset="0"/>
+              </a:rPr>
+              <a:t> de films</a:t>
             </a:r>
             <a:endParaRPr lang="en-US" sz="11500" b="1" dirty="0">
               <a:solidFill>
@@ -7104,8 +7137,27 @@
                 <a:ea typeface="Open Sans" charset="0"/>
                 <a:cs typeface="Open Sans" charset="0"/>
               </a:rPr>
-              <a:t>First Name Last Name, First Name Last Name, First Name Last Name</a:t>
-            </a:r>
+              <a:t>Hakim CHEKIROU</a:t>
+            </a:r>
+            <a:r>
+              <a:rPr lang="en-US" sz="3000" dirty="0" smtClean="0">
+                <a:solidFill>
+                  <a:srgbClr val="FFFFFF"/>
+                </a:solidFill>
+                <a:latin typeface="Open Sans" charset="0"/>
+                <a:ea typeface="Open Sans" charset="0"/>
+                <a:cs typeface="Open Sans" charset="0"/>
+              </a:rPr>
+              <a:t>,</a:t>
+            </a:r>
+            <a:endParaRPr lang="en-US" sz="3000" dirty="0" smtClean="0">
+              <a:solidFill>
+                <a:srgbClr val="FFFFFF"/>
+              </a:solidFill>
+              <a:latin typeface="Open Sans" charset="0"/>
+              <a:ea typeface="Open Sans" charset="0"/>
+              <a:cs typeface="Open Sans" charset="0"/>
+            </a:endParaRPr>
           </a:p>
           <a:p>
             <a:endParaRPr lang="en-US" sz="3000" dirty="0">
@@ -7147,7 +7199,15 @@
                 <a:ea typeface="Uni Sans Book" charset="0"/>
                 <a:cs typeface="Uni Sans Book" charset="0"/>
               </a:rPr>
-              <a:t>SUBHEAD INTRO SIT AMET, CONSECTETUR ADIPISCING. DUIS VEL MASSA EU IPSUM TINCIDUNT CONGUE SIT AMET AC ORCI.  </a:t>
+              <a:t>SUBHEAD INTRO SIT AMET, CONSECTETUR ADIPISCING. DUIS VEL MASSA EU IPSUM TINCIDUNT CONGUE SIT AMET AC ORCI. </a:t>
+            </a:r>
+            <a:r>
+              <a:rPr lang="en-US" sz="3300" dirty="0" smtClean="0">
+                <a:latin typeface="Uni Sans Book" charset="0"/>
+                <a:ea typeface="Uni Sans Book" charset="0"/>
+                <a:cs typeface="Uni Sans Book" charset="0"/>
+              </a:rPr>
+              <a:t> </a:t>
             </a:r>
           </a:p>
           <a:p>
